--- a/ТРС_лр_2.pptx
+++ b/ТРС_лр_2.pptx
@@ -5984,12 +5984,20 @@
             <a:br>
               <a:rPr lang="ru-RU" sz="3600" b="1" dirty="0"/>
             </a:br>
+            <a:r>
+              <a:rPr lang="ru-RU" sz="3600" b="1" dirty="0"/>
+              <a:t/>
+            </a:r>
             <a:br>
               <a:rPr lang="ru-RU" sz="3600" b="1" dirty="0"/>
             </a:br>
             <a:r>
               <a:rPr lang="ru-RU" sz="3600" b="1" dirty="0"/>
               <a:t>Решение начально-краевой задачи </a:t>
+            </a:r>
+            <a:r>
+              <a:rPr lang="ru-RU" sz="3600" dirty="0"/>
+              <a:t/>
             </a:r>
             <a:br>
               <a:rPr lang="ru-RU" sz="3600" dirty="0"/>
@@ -6770,7 +6778,7 @@
           <a:graphicData uri="http://schemas.openxmlformats.org/presentationml/2006/ole">
             <mc:AlternateContent xmlns:mc="http://schemas.openxmlformats.org/markup-compatibility/2006">
               <mc:Choice xmlns:v="urn:schemas-microsoft-com:vml" Requires="v">
-                <p:oleObj spid="_x0000_s42010" name="Формула" r:id="rId3" imgW="1676160" imgH="507960" progId="Equation.3">
+                <p:oleObj spid="_x0000_s42022" name="Формула" r:id="rId3" imgW="1676160" imgH="507960" progId="Equation.3">
                   <p:embed/>
                 </p:oleObj>
               </mc:Choice>
@@ -6840,7 +6848,7 @@
           <a:graphicData uri="http://schemas.openxmlformats.org/presentationml/2006/ole">
             <mc:AlternateContent xmlns:mc="http://schemas.openxmlformats.org/markup-compatibility/2006">
               <mc:Choice xmlns:v="urn:schemas-microsoft-com:vml" Requires="v">
-                <p:oleObj spid="_x0000_s42011" name="Формула" r:id="rId5" imgW="507960" imgH="203040" progId="Equation.3">
+                <p:oleObj spid="_x0000_s42023" name="Формула" r:id="rId5" imgW="507960" imgH="203040" progId="Equation.3">
                   <p:embed/>
                 </p:oleObj>
               </mc:Choice>
@@ -6971,7 +6979,7 @@
           <a:graphicData uri="http://schemas.openxmlformats.org/presentationml/2006/ole">
             <mc:AlternateContent xmlns:mc="http://schemas.openxmlformats.org/markup-compatibility/2006">
               <mc:Choice xmlns:v="urn:schemas-microsoft-com:vml" Requires="v">
-                <p:oleObj spid="_x0000_s42012" name="Формула" r:id="rId7" imgW="5194080" imgH="482400" progId="Equation.3">
+                <p:oleObj spid="_x0000_s42024" name="Формула" r:id="rId7" imgW="5194080" imgH="482400" progId="Equation.3">
                   <p:embed/>
                 </p:oleObj>
               </mc:Choice>
@@ -7041,7 +7049,7 @@
           <a:graphicData uri="http://schemas.openxmlformats.org/presentationml/2006/ole">
             <mc:AlternateContent xmlns:mc="http://schemas.openxmlformats.org/markup-compatibility/2006">
               <mc:Choice xmlns:v="urn:schemas-microsoft-com:vml" Requires="v">
-                <p:oleObj spid="_x0000_s42013" name="Формула" r:id="rId9" imgW="342720" imgH="203040" progId="Equation.3">
+                <p:oleObj spid="_x0000_s42025" name="Формула" r:id="rId9" imgW="342720" imgH="203040" progId="Equation.3">
                   <p:embed/>
                 </p:oleObj>
               </mc:Choice>
@@ -7134,7 +7142,7 @@
           <a:graphicData uri="http://schemas.openxmlformats.org/presentationml/2006/ole">
             <mc:AlternateContent xmlns:mc="http://schemas.openxmlformats.org/markup-compatibility/2006">
               <mc:Choice xmlns:v="urn:schemas-microsoft-com:vml" Requires="v">
-                <p:oleObj spid="_x0000_s42014" name="Формула" r:id="rId11" imgW="444240" imgH="203040" progId="Equation.3">
+                <p:oleObj spid="_x0000_s42026" name="Формула" r:id="rId11" imgW="444240" imgH="203040" progId="Equation.3">
                   <p:embed/>
                 </p:oleObj>
               </mc:Choice>
@@ -7227,7 +7235,7 @@
           <a:graphicData uri="http://schemas.openxmlformats.org/presentationml/2006/ole">
             <mc:AlternateContent xmlns:mc="http://schemas.openxmlformats.org/markup-compatibility/2006">
               <mc:Choice xmlns:v="urn:schemas-microsoft-com:vml" Requires="v">
-                <p:oleObj spid="_x0000_s42015" name="Формула" r:id="rId13" imgW="317160" imgH="203040" progId="Equation.3">
+                <p:oleObj spid="_x0000_s42027" name="Формула" r:id="rId13" imgW="317160" imgH="203040" progId="Equation.3">
                   <p:embed/>
                 </p:oleObj>
               </mc:Choice>
@@ -7813,22 +7821,28 @@
           <p:cNvGraphicFramePr>
             <a:graphicFrameLocks noChangeAspect="1"/>
           </p:cNvGraphicFramePr>
-          <p:nvPr/>
+          <p:nvPr>
+            <p:extLst>
+              <p:ext uri="{D42A27DB-BD31-4B8C-83A1-F6EECF244321}">
+                <p14:modId xmlns:p14="http://schemas.microsoft.com/office/powerpoint/2010/main" val="3324210705"/>
+              </p:ext>
+            </p:extLst>
+          </p:nvPr>
         </p:nvGraphicFramePr>
         <p:xfrm>
-          <a:off x="827584" y="2622674"/>
-          <a:ext cx="5710238" cy="1022350"/>
+          <a:off x="889000" y="2622550"/>
+          <a:ext cx="5584825" cy="1022350"/>
         </p:xfrm>
         <a:graphic>
           <a:graphicData uri="http://schemas.openxmlformats.org/presentationml/2006/ole">
             <mc:AlternateContent xmlns:mc="http://schemas.openxmlformats.org/markup-compatibility/2006">
               <mc:Choice xmlns:v="urn:schemas-microsoft-com:vml" Requires="v">
-                <p:oleObj spid="_x0000_s47117" name="Формула" r:id="rId3" imgW="2336760" imgH="482400" progId="Equation.3">
+                <p:oleObj spid="_x0000_s47121" name="Уравнение" r:id="rId3" imgW="2286000" imgH="482400" progId="Equation.3">
                   <p:embed/>
                 </p:oleObj>
               </mc:Choice>
               <mc:Fallback>
-                <p:oleObj name="Формула" r:id="rId3" imgW="2336760" imgH="482400" progId="Equation.3">
+                <p:oleObj name="Уравнение" r:id="rId3" imgW="2286000" imgH="482400" progId="Equation.3">
                   <p:embed/>
                   <p:pic>
                     <p:nvPicPr>
@@ -7839,13 +7853,7 @@
                       <p:nvPr/>
                     </p:nvPicPr>
                     <p:blipFill>
-                      <a:blip r:embed="rId4">
-                        <a:extLst>
-                          <a:ext uri="{28A0092B-C50C-407E-A947-70E740481C1C}">
-                            <a14:useLocalDpi xmlns:a14="http://schemas.microsoft.com/office/drawing/2010/main" val="0"/>
-                          </a:ext>
-                        </a:extLst>
-                      </a:blip>
+                      <a:blip r:embed="rId4"/>
                       <a:srcRect/>
                       <a:stretch>
                         <a:fillRect/>
@@ -7853,8 +7861,8 @@
                     </p:blipFill>
                     <p:spPr bwMode="auto">
                       <a:xfrm>
-                        <a:off x="827584" y="2622674"/>
-                        <a:ext cx="5710238" cy="1022350"/>
+                        <a:off x="889000" y="2622550"/>
+                        <a:ext cx="5584825" cy="1022350"/>
                       </a:xfrm>
                       <a:prstGeom prst="rect">
                         <a:avLst/>
@@ -7954,7 +7962,7 @@
           <a:graphicData uri="http://schemas.openxmlformats.org/presentationml/2006/ole">
             <mc:AlternateContent xmlns:mc="http://schemas.openxmlformats.org/markup-compatibility/2006">
               <mc:Choice xmlns:v="urn:schemas-microsoft-com:vml" Requires="v">
-                <p:oleObj spid="_x0000_s47118" name="Формула" r:id="rId5" imgW="2603160" imgH="482400" progId="Equation.3">
+                <p:oleObj spid="_x0000_s47122" name="Формула" r:id="rId5" imgW="2603160" imgH="482400" progId="Equation.3">
                   <p:embed/>
                 </p:oleObj>
               </mc:Choice>
@@ -12118,6 +12126,10 @@
               <a:rPr lang="en-US" sz="2000" dirty="0"/>
               <a:t> </a:t>
             </a:r>
+            <a:r>
+              <a:rPr lang="ru-RU" sz="2000" dirty="0"/>
+              <a:t/>
+            </a:r>
             <a:br>
               <a:rPr lang="ru-RU" sz="2000" dirty="0"/>
             </a:br>
@@ -12306,7 +12318,7 @@
           <a:graphicData uri="http://schemas.openxmlformats.org/presentationml/2006/ole">
             <mc:AlternateContent xmlns:mc="http://schemas.openxmlformats.org/markup-compatibility/2006">
               <mc:Choice xmlns:v="urn:schemas-microsoft-com:vml" Requires="v">
-                <p:oleObj spid="_x0000_s36872" name="Формула" r:id="rId3" imgW="2501900" imgH="596900" progId="Equation.3">
+                <p:oleObj spid="_x0000_s36876" name="Формула" r:id="rId3" imgW="2501900" imgH="596900" progId="Equation.3">
                   <p:embed/>
                 </p:oleObj>
               </mc:Choice>
@@ -13033,7 +13045,7 @@
           <a:graphicData uri="http://schemas.openxmlformats.org/presentationml/2006/ole">
             <mc:AlternateContent xmlns:mc="http://schemas.openxmlformats.org/markup-compatibility/2006">
               <mc:Choice xmlns:v="urn:schemas-microsoft-com:vml" Requires="v">
-                <p:oleObj spid="_x0000_s36873" name="Формула" r:id="rId6" imgW="634725" imgH="520474" progId="Equation.3">
+                <p:oleObj spid="_x0000_s36877" name="Формула" r:id="rId6" imgW="634725" imgH="520474" progId="Equation.3">
                   <p:embed/>
                 </p:oleObj>
               </mc:Choice>
@@ -14022,7 +14034,7 @@
           <a:graphicData uri="http://schemas.openxmlformats.org/presentationml/2006/ole">
             <mc:AlternateContent xmlns:mc="http://schemas.openxmlformats.org/markup-compatibility/2006">
               <mc:Choice xmlns:v="urn:schemas-microsoft-com:vml" Requires="v">
-                <p:oleObj spid="_x0000_s37895" name="Формула" r:id="rId3" imgW="2705100" imgH="622300" progId="Equation.3">
+                <p:oleObj spid="_x0000_s37897" name="Формула" r:id="rId3" imgW="2705100" imgH="622300" progId="Equation.3">
                   <p:embed/>
                 </p:oleObj>
               </mc:Choice>
@@ -15119,7 +15131,7 @@
           <a:graphicData uri="http://schemas.openxmlformats.org/presentationml/2006/ole">
             <mc:AlternateContent xmlns:mc="http://schemas.openxmlformats.org/markup-compatibility/2006">
               <mc:Choice xmlns:v="urn:schemas-microsoft-com:vml" Requires="v">
-                <p:oleObj spid="_x0000_s38918" name="Формула" r:id="rId3" imgW="4445000" imgH="622300" progId="Equation.3">
+                <p:oleObj spid="_x0000_s38920" name="Формула" r:id="rId3" imgW="4445000" imgH="622300" progId="Equation.3">
                   <p:embed/>
                 </p:oleObj>
               </mc:Choice>
@@ -16228,7 +16240,7 @@
           <a:graphicData uri="http://schemas.openxmlformats.org/presentationml/2006/ole">
             <mc:AlternateContent xmlns:mc="http://schemas.openxmlformats.org/markup-compatibility/2006">
               <mc:Choice xmlns:v="urn:schemas-microsoft-com:vml" Requires="v">
-                <p:oleObj spid="_x0000_s40980" name="Формула" r:id="rId3" imgW="2463800" imgH="533400" progId="Equation.3">
+                <p:oleObj spid="_x0000_s40988" name="Формула" r:id="rId3" imgW="2463800" imgH="533400" progId="Equation.3">
                   <p:embed/>
                 </p:oleObj>
               </mc:Choice>
@@ -16336,7 +16348,7 @@
           <a:graphicData uri="http://schemas.openxmlformats.org/presentationml/2006/ole">
             <mc:AlternateContent xmlns:mc="http://schemas.openxmlformats.org/markup-compatibility/2006">
               <mc:Choice xmlns:v="urn:schemas-microsoft-com:vml" Requires="v">
-                <p:oleObj spid="_x0000_s40981" name="Формула" r:id="rId5" imgW="863280" imgH="253800" progId="Equation.3">
+                <p:oleObj spid="_x0000_s40989" name="Формула" r:id="rId5" imgW="863280" imgH="253800" progId="Equation.3">
                   <p:embed/>
                 </p:oleObj>
               </mc:Choice>
@@ -16444,7 +16456,7 @@
           <a:graphicData uri="http://schemas.openxmlformats.org/presentationml/2006/ole">
             <mc:AlternateContent xmlns:mc="http://schemas.openxmlformats.org/markup-compatibility/2006">
               <mc:Choice xmlns:v="urn:schemas-microsoft-com:vml" Requires="v">
-                <p:oleObj spid="_x0000_s40982" name="Формула" r:id="rId7" imgW="1765080" imgH="507960" progId="Equation.3">
+                <p:oleObj spid="_x0000_s40990" name="Формула" r:id="rId7" imgW="1765080" imgH="507960" progId="Equation.3">
                   <p:embed/>
                 </p:oleObj>
               </mc:Choice>
@@ -16552,7 +16564,7 @@
           <a:graphicData uri="http://schemas.openxmlformats.org/presentationml/2006/ole">
             <mc:AlternateContent xmlns:mc="http://schemas.openxmlformats.org/markup-compatibility/2006">
               <mc:Choice xmlns:v="urn:schemas-microsoft-com:vml" Requires="v">
-                <p:oleObj spid="_x0000_s40983" name="Формула" r:id="rId9" imgW="1981080" imgH="507960" progId="Equation.3">
+                <p:oleObj spid="_x0000_s40991" name="Формула" r:id="rId9" imgW="1981080" imgH="507960" progId="Equation.3">
                   <p:embed/>
                 </p:oleObj>
               </mc:Choice>
